--- a/KKBoxChurn.pptx
+++ b/KKBoxChurn.pptx
@@ -29,25 +29,26 @@
     <p:sldId id="273" r:id="rId24"/>
     <p:sldId id="274" r:id="rId25"/>
     <p:sldId id="275" r:id="rId26"/>
+    <p:sldId id="276" r:id="rId27"/>
   </p:sldIdLst>
   <p:sldSz cy="6858000" cx="12192000"/>
   <p:notesSz cx="6858000" cy="9144000"/>
   <p:embeddedFontLst>
     <p:embeddedFont>
       <p:font typeface="Mukta Mahee"/>
-      <p:regular r:id="rId27"/>
-      <p:bold r:id="rId28"/>
+      <p:regular r:id="rId28"/>
+      <p:bold r:id="rId29"/>
     </p:embeddedFont>
     <p:embeddedFont>
       <p:font typeface="Mukta Mahee ExtraBold"/>
-      <p:bold r:id="rId29"/>
+      <p:bold r:id="rId30"/>
     </p:embeddedFont>
     <p:embeddedFont>
       <p:font typeface="Merriweather"/>
-      <p:regular r:id="rId30"/>
-      <p:bold r:id="rId31"/>
-      <p:italic r:id="rId32"/>
-      <p:boldItalic r:id="rId33"/>
+      <p:regular r:id="rId31"/>
+      <p:bold r:id="rId32"/>
+      <p:italic r:id="rId33"/>
+      <p:boldItalic r:id="rId34"/>
     </p:embeddedFont>
   </p:embeddedFontLst>
   <p:defaultTextStyle>
@@ -2155,7 +2156,7 @@
       </p:grpSpPr>
       <p:sp>
         <p:nvSpPr>
-          <p:cNvPr id="314" name="Google Shape;314;g49f14c3285_0_92:notes"/>
+          <p:cNvPr id="314" name="Google Shape;314;g49f14c3285_7_304:notes"/>
           <p:cNvSpPr txBox="1"/>
           <p:nvPr>
             <p:ph idx="1" type="body"/>
@@ -2194,7 +2195,7 @@
       </p:sp>
       <p:sp>
         <p:nvSpPr>
-          <p:cNvPr id="315" name="Google Shape;315;g49f14c3285_0_92:notes"/>
+          <p:cNvPr id="315" name="Google Shape;315;g49f14c3285_7_304:notes"/>
           <p:cNvSpPr/>
           <p:nvPr>
             <p:ph idx="2" type="sldImg"/>
@@ -2240,7 +2241,7 @@
   <p:cSld>
     <p:spTree>
       <p:nvGrpSpPr>
-        <p:cNvPr id="319" name="Shape 319"/>
+        <p:cNvPr id="320" name="Shape 320"/>
         <p:cNvGrpSpPr/>
         <p:nvPr/>
       </p:nvGrpSpPr>
@@ -2254,7 +2255,7 @@
       </p:grpSpPr>
       <p:sp>
         <p:nvSpPr>
-          <p:cNvPr id="320" name="Google Shape;320;g49f14c3285_6_24:notes"/>
+          <p:cNvPr id="321" name="Google Shape;321;g49f14c3285_0_92:notes"/>
           <p:cNvSpPr txBox="1"/>
           <p:nvPr>
             <p:ph idx="1" type="body"/>
@@ -2293,7 +2294,7 @@
       </p:sp>
       <p:sp>
         <p:nvSpPr>
-          <p:cNvPr id="321" name="Google Shape;321;g49f14c3285_6_24:notes"/>
+          <p:cNvPr id="322" name="Google Shape;322;g49f14c3285_0_92:notes"/>
           <p:cNvSpPr/>
           <p:nvPr>
             <p:ph idx="2" type="sldImg"/>
@@ -2353,7 +2354,7 @@
       </p:grpSpPr>
       <p:sp>
         <p:nvSpPr>
-          <p:cNvPr id="327" name="Google Shape;327;g49f14c3285_8_37:notes"/>
+          <p:cNvPr id="327" name="Google Shape;327;g49f14c3285_6_24:notes"/>
           <p:cNvSpPr txBox="1"/>
           <p:nvPr>
             <p:ph idx="1" type="body"/>
@@ -2392,7 +2393,7 @@
       </p:sp>
       <p:sp>
         <p:nvSpPr>
-          <p:cNvPr id="328" name="Google Shape;328;g49f14c3285_8_37:notes"/>
+          <p:cNvPr id="328" name="Google Shape;328;g49f14c3285_6_24:notes"/>
           <p:cNvSpPr/>
           <p:nvPr>
             <p:ph idx="2" type="sldImg"/>
@@ -2438,7 +2439,7 @@
   <p:cSld>
     <p:spTree>
       <p:nvGrpSpPr>
-        <p:cNvPr id="334" name="Shape 334"/>
+        <p:cNvPr id="333" name="Shape 333"/>
         <p:cNvGrpSpPr/>
         <p:nvPr/>
       </p:nvGrpSpPr>
@@ -2452,7 +2453,7 @@
       </p:grpSpPr>
       <p:sp>
         <p:nvSpPr>
-          <p:cNvPr id="335" name="Google Shape;335;g49f14c3285_7_282:notes"/>
+          <p:cNvPr id="334" name="Google Shape;334;g49f14c3285_8_37:notes"/>
           <p:cNvSpPr txBox="1"/>
           <p:nvPr>
             <p:ph idx="1" type="body"/>
@@ -2491,7 +2492,7 @@
       </p:sp>
       <p:sp>
         <p:nvSpPr>
-          <p:cNvPr id="336" name="Google Shape;336;g49f14c3285_7_282:notes"/>
+          <p:cNvPr id="335" name="Google Shape;335;g49f14c3285_8_37:notes"/>
           <p:cNvSpPr/>
           <p:nvPr>
             <p:ph idx="2" type="sldImg"/>
@@ -2636,7 +2637,7 @@
   <p:cSld>
     <p:spTree>
       <p:nvGrpSpPr>
-        <p:cNvPr id="343" name="Shape 343"/>
+        <p:cNvPr id="341" name="Shape 341"/>
         <p:cNvGrpSpPr/>
         <p:nvPr/>
       </p:nvGrpSpPr>
@@ -2650,7 +2651,7 @@
       </p:grpSpPr>
       <p:sp>
         <p:nvSpPr>
-          <p:cNvPr id="344" name="Google Shape;344;g49f14c3285_6_16:notes"/>
+          <p:cNvPr id="342" name="Google Shape;342;g49f14c3285_7_282:notes"/>
           <p:cNvSpPr txBox="1"/>
           <p:nvPr>
             <p:ph idx="1" type="body"/>
@@ -2689,7 +2690,106 @@
       </p:sp>
       <p:sp>
         <p:nvSpPr>
-          <p:cNvPr id="345" name="Google Shape;345;g49f14c3285_6_16:notes"/>
+          <p:cNvPr id="343" name="Google Shape;343;g49f14c3285_7_282:notes"/>
+          <p:cNvSpPr/>
+          <p:nvPr>
+            <p:ph idx="2" type="sldImg"/>
+          </p:nvPr>
+        </p:nvSpPr>
+        <p:spPr>
+          <a:xfrm>
+            <a:off x="685800" y="1143000"/>
+            <a:ext cx="5486400" cy="3086100"/>
+          </a:xfrm>
+          <a:custGeom>
+            <a:rect b="b" l="l" r="r" t="t"/>
+            <a:pathLst>
+              <a:path extrusionOk="0" h="120000" w="120000">
+                <a:moveTo>
+                  <a:pt x="0" y="0"/>
+                </a:moveTo>
+                <a:lnTo>
+                  <a:pt x="120000" y="0"/>
+                </a:lnTo>
+                <a:lnTo>
+                  <a:pt x="120000" y="120000"/>
+                </a:lnTo>
+                <a:lnTo>
+                  <a:pt x="0" y="120000"/>
+                </a:lnTo>
+                <a:close/>
+              </a:path>
+            </a:pathLst>
+          </a:custGeom>
+        </p:spPr>
+      </p:sp>
+    </p:spTree>
+  </p:cSld>
+  <p:clrMapOvr>
+    <a:masterClrMapping/>
+  </p:clrMapOvr>
+</p:notes>
+</file>
+
+<file path=ppt/notesSlides/notesSlide21.xml><?xml version="1.0" encoding="utf-8"?>
+<p:notes xmlns:a="http://schemas.openxmlformats.org/drawingml/2006/main" xmlns:r="http://schemas.openxmlformats.org/officeDocument/2006/relationships" xmlns:mc="http://schemas.openxmlformats.org/markup-compatibility/2006" xmlns:mv="urn:schemas-microsoft-com:mac:vml" xmlns:p="http://schemas.openxmlformats.org/presentationml/2006/main" xmlns:c="http://schemas.openxmlformats.org/drawingml/2006/chart" xmlns:dgm="http://schemas.openxmlformats.org/drawingml/2006/diagram" xmlns:o="urn:schemas-microsoft-com:office:office" xmlns:v="urn:schemas-microsoft-com:vml" xmlns:pvml="urn:schemas-microsoft-com:office:powerpoint" xmlns:com="http://schemas.openxmlformats.org/drawingml/2006/compatibility" xmlns:p14="http://schemas.microsoft.com/office/powerpoint/2010/main" xmlns:p15="http://schemas.microsoft.com/office/powerpoint/2012/main" showMasterPhAnim="0" showMasterSp="0">
+  <p:cSld>
+    <p:spTree>
+      <p:nvGrpSpPr>
+        <p:cNvPr id="350" name="Shape 350"/>
+        <p:cNvGrpSpPr/>
+        <p:nvPr/>
+      </p:nvGrpSpPr>
+      <p:grpSpPr>
+        <a:xfrm>
+          <a:off x="0" y="0"/>
+          <a:ext cx="0" cy="0"/>
+          <a:chOff x="0" y="0"/>
+          <a:chExt cx="0" cy="0"/>
+        </a:xfrm>
+      </p:grpSpPr>
+      <p:sp>
+        <p:nvSpPr>
+          <p:cNvPr id="351" name="Google Shape;351;g49f14c3285_6_16:notes"/>
+          <p:cNvSpPr txBox="1"/>
+          <p:nvPr>
+            <p:ph idx="1" type="body"/>
+          </p:nvPr>
+        </p:nvSpPr>
+        <p:spPr>
+          <a:xfrm>
+            <a:off x="685800" y="4400550"/>
+            <a:ext cx="5486400" cy="3600600"/>
+          </a:xfrm>
+          <a:prstGeom prst="rect">
+            <a:avLst/>
+          </a:prstGeom>
+        </p:spPr>
+        <p:txBody>
+          <a:bodyPr anchorCtr="0" anchor="t" bIns="45700" lIns="91425" spcFirstLastPara="1" rIns="91425" wrap="square" tIns="45700">
+            <a:noAutofit/>
+          </a:bodyPr>
+          <a:lstStyle/>
+          <a:p>
+            <a:pPr indent="0" lvl="0" marL="0" rtl="0" algn="l">
+              <a:spcBef>
+                <a:spcPts val="0"/>
+              </a:spcBef>
+              <a:spcAft>
+                <a:spcPts val="0"/>
+              </a:spcAft>
+              <a:buNone/>
+            </a:pPr>
+            <a:r>
+              <a:t/>
+            </a:r>
+            <a:endParaRPr/>
+          </a:p>
+        </p:txBody>
+      </p:sp>
+      <p:sp>
+        <p:nvSpPr>
+          <p:cNvPr id="352" name="Google Shape;352;g49f14c3285_6_16:notes"/>
           <p:cNvSpPr/>
           <p:nvPr>
             <p:ph idx="2" type="sldImg"/>
@@ -23151,6 +23251,174 @@
         </p:nvSpPr>
         <p:spPr>
           <a:xfrm>
+            <a:off x="0" y="11575"/>
+            <a:ext cx="12192000" cy="704100"/>
+          </a:xfrm>
+          <a:prstGeom prst="rect">
+            <a:avLst/>
+          </a:prstGeom>
+          <a:solidFill>
+            <a:srgbClr val="1F3864"/>
+          </a:solidFill>
+          <a:ln cap="flat" cmpd="sng" w="12700">
+            <a:solidFill>
+              <a:srgbClr val="31538F"/>
+            </a:solidFill>
+            <a:prstDash val="solid"/>
+            <a:miter lim="800000"/>
+            <a:headEnd len="sm" w="sm" type="none"/>
+            <a:tailEnd len="sm" w="sm" type="none"/>
+          </a:ln>
+        </p:spPr>
+        <p:txBody>
+          <a:bodyPr anchorCtr="0" anchor="ctr" bIns="45700" lIns="91425" spcFirstLastPara="1" rIns="91425" wrap="square" tIns="45700">
+            <a:noAutofit/>
+          </a:bodyPr>
+          <a:lstStyle/>
+          <a:p>
+            <a:pPr indent="0" lvl="0" marL="0" marR="0" rtl="0" algn="ctr">
+              <a:spcBef>
+                <a:spcPts val="0"/>
+              </a:spcBef>
+              <a:spcAft>
+                <a:spcPts val="0"/>
+              </a:spcAft>
+              <a:buNone/>
+            </a:pPr>
+            <a:r>
+              <a:t/>
+            </a:r>
+            <a:endParaRPr sz="1800">
+              <a:solidFill>
+                <a:schemeClr val="lt1"/>
+              </a:solidFill>
+              <a:latin typeface="Calibri"/>
+              <a:ea typeface="Calibri"/>
+              <a:cs typeface="Calibri"/>
+              <a:sym typeface="Calibri"/>
+            </a:endParaRPr>
+          </a:p>
+        </p:txBody>
+      </p:sp>
+      <p:sp>
+        <p:nvSpPr>
+          <p:cNvPr id="318" name="Google Shape;318;p43"/>
+          <p:cNvSpPr txBox="1"/>
+          <p:nvPr/>
+        </p:nvSpPr>
+        <p:spPr>
+          <a:xfrm>
+            <a:off x="0" y="11575"/>
+            <a:ext cx="6408300" cy="751200"/>
+          </a:xfrm>
+          <a:prstGeom prst="rect">
+            <a:avLst/>
+          </a:prstGeom>
+          <a:noFill/>
+          <a:ln>
+            <a:noFill/>
+          </a:ln>
+        </p:spPr>
+        <p:txBody>
+          <a:bodyPr anchorCtr="0" anchor="t" bIns="45700" lIns="91425" spcFirstLastPara="1" rIns="91425" wrap="square" tIns="45700">
+            <a:noAutofit/>
+          </a:bodyPr>
+          <a:lstStyle/>
+          <a:p>
+            <a:pPr indent="0" lvl="0" marL="0" marR="0" rtl="0" algn="ctr">
+              <a:spcBef>
+                <a:spcPts val="0"/>
+              </a:spcBef>
+              <a:spcAft>
+                <a:spcPts val="0"/>
+              </a:spcAft>
+              <a:buNone/>
+            </a:pPr>
+            <a:r>
+              <a:rPr lang="en-US" sz="3600">
+                <a:solidFill>
+                  <a:schemeClr val="lt1"/>
+                </a:solidFill>
+                <a:latin typeface="Calibri"/>
+                <a:ea typeface="Calibri"/>
+                <a:cs typeface="Calibri"/>
+                <a:sym typeface="Calibri"/>
+              </a:rPr>
+              <a:t>Unit Test</a:t>
+            </a:r>
+            <a:endParaRPr sz="3600">
+              <a:solidFill>
+                <a:schemeClr val="lt1"/>
+              </a:solidFill>
+              <a:latin typeface="Calibri"/>
+              <a:ea typeface="Calibri"/>
+              <a:cs typeface="Calibri"/>
+              <a:sym typeface="Calibri"/>
+            </a:endParaRPr>
+          </a:p>
+        </p:txBody>
+      </p:sp>
+      <p:pic>
+        <p:nvPicPr>
+          <p:cNvPr id="319" name="Google Shape;319;p43"/>
+          <p:cNvPicPr preferRelativeResize="0"/>
+          <p:nvPr/>
+        </p:nvPicPr>
+        <p:blipFill>
+          <a:blip r:embed="rId3">
+            <a:alphaModFix/>
+          </a:blip>
+          <a:stretch>
+            <a:fillRect/>
+          </a:stretch>
+        </p:blipFill>
+        <p:spPr>
+          <a:xfrm>
+            <a:off x="651325" y="1165050"/>
+            <a:ext cx="11062774" cy="5540550"/>
+          </a:xfrm>
+          <a:prstGeom prst="rect">
+            <a:avLst/>
+          </a:prstGeom>
+          <a:noFill/>
+          <a:ln>
+            <a:noFill/>
+          </a:ln>
+        </p:spPr>
+      </p:pic>
+    </p:spTree>
+  </p:cSld>
+  <p:clrMapOvr>
+    <a:masterClrMapping/>
+  </p:clrMapOvr>
+</p:sld>
+</file>
+
+<file path=ppt/slides/slide17.xml><?xml version="1.0" encoding="utf-8"?>
+<p:sld xmlns:a="http://schemas.openxmlformats.org/drawingml/2006/main" xmlns:r="http://schemas.openxmlformats.org/officeDocument/2006/relationships" xmlns:mc="http://schemas.openxmlformats.org/markup-compatibility/2006" xmlns:mv="urn:schemas-microsoft-com:mac:vml" xmlns:p="http://schemas.openxmlformats.org/presentationml/2006/main" xmlns:c="http://schemas.openxmlformats.org/drawingml/2006/chart" xmlns:dgm="http://schemas.openxmlformats.org/drawingml/2006/diagram" xmlns:o="urn:schemas-microsoft-com:office:office" xmlns:v="urn:schemas-microsoft-com:vml" xmlns:pvml="urn:schemas-microsoft-com:office:powerpoint" xmlns:com="http://schemas.openxmlformats.org/drawingml/2006/compatibility" xmlns:p14="http://schemas.microsoft.com/office/powerpoint/2010/main" xmlns:p15="http://schemas.microsoft.com/office/powerpoint/2012/main">
+  <p:cSld>
+    <p:spTree>
+      <p:nvGrpSpPr>
+        <p:cNvPr id="323" name="Shape 323"/>
+        <p:cNvGrpSpPr/>
+        <p:nvPr/>
+      </p:nvGrpSpPr>
+      <p:grpSpPr>
+        <a:xfrm>
+          <a:off x="0" y="0"/>
+          <a:ext cx="0" cy="0"/>
+          <a:chOff x="0" y="0"/>
+          <a:chExt cx="0" cy="0"/>
+        </a:xfrm>
+      </p:grpSpPr>
+      <p:sp>
+        <p:nvSpPr>
+          <p:cNvPr id="324" name="Google Shape;324;p44"/>
+          <p:cNvSpPr/>
+          <p:nvPr/>
+        </p:nvSpPr>
+        <p:spPr>
+          <a:xfrm>
             <a:off x="0" y="0"/>
             <a:ext cx="5780400" cy="6858000"/>
           </a:xfrm>
@@ -23211,7 +23479,7 @@
       </p:sp>
       <p:pic>
         <p:nvPicPr>
-          <p:cNvPr id="318" name="Google Shape;318;p43"/>
+          <p:cNvPr id="325" name="Google Shape;325;p44"/>
           <p:cNvPicPr preferRelativeResize="0"/>
           <p:nvPr/>
         </p:nvPicPr>
@@ -23237,306 +23505,6 @@
           </a:ln>
         </p:spPr>
       </p:pic>
-    </p:spTree>
-  </p:cSld>
-  <p:clrMapOvr>
-    <a:masterClrMapping/>
-  </p:clrMapOvr>
-</p:sld>
-</file>
-
-<file path=ppt/slides/slide17.xml><?xml version="1.0" encoding="utf-8"?>
-<p:sld xmlns:a="http://schemas.openxmlformats.org/drawingml/2006/main" xmlns:r="http://schemas.openxmlformats.org/officeDocument/2006/relationships" xmlns:mc="http://schemas.openxmlformats.org/markup-compatibility/2006" xmlns:mv="urn:schemas-microsoft-com:mac:vml" xmlns:p="http://schemas.openxmlformats.org/presentationml/2006/main" xmlns:c="http://schemas.openxmlformats.org/drawingml/2006/chart" xmlns:dgm="http://schemas.openxmlformats.org/drawingml/2006/diagram" xmlns:o="urn:schemas-microsoft-com:office:office" xmlns:v="urn:schemas-microsoft-com:vml" xmlns:pvml="urn:schemas-microsoft-com:office:powerpoint" xmlns:com="http://schemas.openxmlformats.org/drawingml/2006/compatibility" xmlns:p14="http://schemas.microsoft.com/office/powerpoint/2010/main" xmlns:p15="http://schemas.microsoft.com/office/powerpoint/2012/main">
-  <p:cSld>
-    <p:spTree>
-      <p:nvGrpSpPr>
-        <p:cNvPr id="322" name="Shape 322"/>
-        <p:cNvGrpSpPr/>
-        <p:nvPr/>
-      </p:nvGrpSpPr>
-      <p:grpSpPr>
-        <a:xfrm>
-          <a:off x="0" y="0"/>
-          <a:ext cx="0" cy="0"/>
-          <a:chOff x="0" y="0"/>
-          <a:chExt cx="0" cy="0"/>
-        </a:xfrm>
-      </p:grpSpPr>
-      <p:sp>
-        <p:nvSpPr>
-          <p:cNvPr id="323" name="Google Shape;323;p44"/>
-          <p:cNvSpPr/>
-          <p:nvPr/>
-        </p:nvSpPr>
-        <p:spPr>
-          <a:xfrm>
-            <a:off x="0" y="11575"/>
-            <a:ext cx="12192000" cy="704100"/>
-          </a:xfrm>
-          <a:prstGeom prst="rect">
-            <a:avLst/>
-          </a:prstGeom>
-          <a:solidFill>
-            <a:srgbClr val="1F3864"/>
-          </a:solidFill>
-          <a:ln cap="flat" cmpd="sng" w="12700">
-            <a:solidFill>
-              <a:srgbClr val="31538F"/>
-            </a:solidFill>
-            <a:prstDash val="solid"/>
-            <a:miter lim="800000"/>
-            <a:headEnd len="sm" w="sm" type="none"/>
-            <a:tailEnd len="sm" w="sm" type="none"/>
-          </a:ln>
-        </p:spPr>
-        <p:txBody>
-          <a:bodyPr anchorCtr="0" anchor="ctr" bIns="45700" lIns="91425" spcFirstLastPara="1" rIns="91425" wrap="square" tIns="45700">
-            <a:noAutofit/>
-          </a:bodyPr>
-          <a:lstStyle/>
-          <a:p>
-            <a:pPr indent="0" lvl="0" marL="0" marR="0" rtl="0" algn="ctr">
-              <a:spcBef>
-                <a:spcPts val="0"/>
-              </a:spcBef>
-              <a:spcAft>
-                <a:spcPts val="0"/>
-              </a:spcAft>
-              <a:buNone/>
-            </a:pPr>
-            <a:r>
-              <a:t/>
-            </a:r>
-            <a:endParaRPr sz="1800">
-              <a:solidFill>
-                <a:schemeClr val="lt1"/>
-              </a:solidFill>
-              <a:latin typeface="Calibri"/>
-              <a:ea typeface="Calibri"/>
-              <a:cs typeface="Calibri"/>
-              <a:sym typeface="Calibri"/>
-            </a:endParaRPr>
-          </a:p>
-        </p:txBody>
-      </p:sp>
-      <p:sp>
-        <p:nvSpPr>
-          <p:cNvPr id="324" name="Google Shape;324;p44"/>
-          <p:cNvSpPr txBox="1"/>
-          <p:nvPr/>
-        </p:nvSpPr>
-        <p:spPr>
-          <a:xfrm>
-            <a:off x="0" y="117125"/>
-            <a:ext cx="3933300" cy="751200"/>
-          </a:xfrm>
-          <a:prstGeom prst="rect">
-            <a:avLst/>
-          </a:prstGeom>
-          <a:noFill/>
-          <a:ln>
-            <a:noFill/>
-          </a:ln>
-        </p:spPr>
-        <p:txBody>
-          <a:bodyPr anchorCtr="0" anchor="t" bIns="45700" lIns="91425" spcFirstLastPara="1" rIns="91425" wrap="square" tIns="45700">
-            <a:noAutofit/>
-          </a:bodyPr>
-          <a:lstStyle/>
-          <a:p>
-            <a:pPr indent="0" lvl="0" marL="0" marR="0" rtl="0" algn="ctr">
-              <a:spcBef>
-                <a:spcPts val="0"/>
-              </a:spcBef>
-              <a:spcAft>
-                <a:spcPts val="0"/>
-              </a:spcAft>
-              <a:buNone/>
-            </a:pPr>
-            <a:r>
-              <a:rPr lang="en-US" sz="3600">
-                <a:solidFill>
-                  <a:schemeClr val="lt1"/>
-                </a:solidFill>
-                <a:latin typeface="Calibri"/>
-                <a:ea typeface="Calibri"/>
-                <a:cs typeface="Calibri"/>
-                <a:sym typeface="Calibri"/>
-              </a:rPr>
-              <a:t>User Interface</a:t>
-            </a:r>
-            <a:endParaRPr sz="3600">
-              <a:solidFill>
-                <a:schemeClr val="lt1"/>
-              </a:solidFill>
-              <a:latin typeface="Calibri"/>
-              <a:ea typeface="Calibri"/>
-              <a:cs typeface="Calibri"/>
-              <a:sym typeface="Calibri"/>
-            </a:endParaRPr>
-          </a:p>
-          <a:p>
-            <a:pPr indent="0" lvl="0" marL="0" marR="0" rtl="0" algn="ctr">
-              <a:spcBef>
-                <a:spcPts val="0"/>
-              </a:spcBef>
-              <a:spcAft>
-                <a:spcPts val="0"/>
-              </a:spcAft>
-              <a:buNone/>
-            </a:pPr>
-            <a:r>
-              <a:t/>
-            </a:r>
-            <a:endParaRPr sz="3600">
-              <a:solidFill>
-                <a:schemeClr val="lt1"/>
-              </a:solidFill>
-              <a:latin typeface="Calibri"/>
-              <a:ea typeface="Calibri"/>
-              <a:cs typeface="Calibri"/>
-              <a:sym typeface="Calibri"/>
-            </a:endParaRPr>
-          </a:p>
-        </p:txBody>
-      </p:sp>
-      <p:sp>
-        <p:nvSpPr>
-          <p:cNvPr id="325" name="Google Shape;325;p44"/>
-          <p:cNvSpPr txBox="1"/>
-          <p:nvPr/>
-        </p:nvSpPr>
-        <p:spPr>
-          <a:xfrm>
-            <a:off x="382225" y="868325"/>
-            <a:ext cx="11058300" cy="5284200"/>
-          </a:xfrm>
-          <a:prstGeom prst="rect">
-            <a:avLst/>
-          </a:prstGeom>
-          <a:noFill/>
-          <a:ln>
-            <a:noFill/>
-          </a:ln>
-        </p:spPr>
-        <p:txBody>
-          <a:bodyPr anchorCtr="0" anchor="t" bIns="91425" lIns="91425" spcFirstLastPara="1" rIns="91425" wrap="square" tIns="91425">
-            <a:noAutofit/>
-          </a:bodyPr>
-          <a:lstStyle/>
-          <a:p>
-            <a:pPr indent="0" lvl="0" marL="0" rtl="0" algn="l">
-              <a:lnSpc>
-                <a:spcPct val="200000"/>
-              </a:lnSpc>
-              <a:spcBef>
-                <a:spcPts val="0"/>
-              </a:spcBef>
-              <a:spcAft>
-                <a:spcPts val="0"/>
-              </a:spcAft>
-              <a:buNone/>
-            </a:pPr>
-            <a:r>
-              <a:rPr b="1" lang="en-US" sz="2400">
-                <a:latin typeface="Calibri"/>
-                <a:ea typeface="Calibri"/>
-                <a:cs typeface="Calibri"/>
-                <a:sym typeface="Calibri"/>
-              </a:rPr>
-              <a:t>Play 2.6</a:t>
-            </a:r>
-            <a:endParaRPr b="1" sz="2400">
-              <a:latin typeface="Calibri"/>
-              <a:ea typeface="Calibri"/>
-              <a:cs typeface="Calibri"/>
-              <a:sym typeface="Calibri"/>
-            </a:endParaRPr>
-          </a:p>
-          <a:p>
-            <a:pPr indent="-381000" lvl="0" marL="457200" rtl="0" algn="l">
-              <a:lnSpc>
-                <a:spcPct val="200000"/>
-              </a:lnSpc>
-              <a:spcBef>
-                <a:spcPts val="0"/>
-              </a:spcBef>
-              <a:spcAft>
-                <a:spcPts val="0"/>
-              </a:spcAft>
-              <a:buSzPts val="2400"/>
-              <a:buFont typeface="Calibri"/>
-              <a:buChar char="-"/>
-            </a:pPr>
-            <a:r>
-              <a:rPr lang="en-US" sz="2400">
-                <a:latin typeface="Calibri"/>
-                <a:ea typeface="Calibri"/>
-                <a:cs typeface="Calibri"/>
-                <a:sym typeface="Calibri"/>
-              </a:rPr>
-              <a:t>Play is a high-productivity Java and Scala web application framework that integrates the components and APIs you need for modern web application development.</a:t>
-            </a:r>
-            <a:endParaRPr sz="2400">
-              <a:latin typeface="Calibri"/>
-              <a:ea typeface="Calibri"/>
-              <a:cs typeface="Calibri"/>
-              <a:sym typeface="Calibri"/>
-            </a:endParaRPr>
-          </a:p>
-          <a:p>
-            <a:pPr indent="-381000" lvl="0" marL="457200" rtl="0" algn="l">
-              <a:lnSpc>
-                <a:spcPct val="200000"/>
-              </a:lnSpc>
-              <a:spcBef>
-                <a:spcPts val="0"/>
-              </a:spcBef>
-              <a:spcAft>
-                <a:spcPts val="0"/>
-              </a:spcAft>
-              <a:buSzPts val="2400"/>
-              <a:buFont typeface="Calibri"/>
-              <a:buChar char="-"/>
-            </a:pPr>
-            <a:r>
-              <a:rPr lang="en-US" sz="2400">
-                <a:latin typeface="Calibri"/>
-                <a:ea typeface="Calibri"/>
-                <a:cs typeface="Calibri"/>
-                <a:sym typeface="Calibri"/>
-              </a:rPr>
-              <a:t>Play is based on a lightweight, stateless, web-friendly architecture and features predictable and minimal resource consumption (CPU, memory, threads) for highly-scalable applications thanks to its reactive model, based on Akka Streams.</a:t>
-            </a:r>
-            <a:endParaRPr sz="2400">
-              <a:latin typeface="Calibri"/>
-              <a:ea typeface="Calibri"/>
-              <a:cs typeface="Calibri"/>
-              <a:sym typeface="Calibri"/>
-            </a:endParaRPr>
-          </a:p>
-          <a:p>
-            <a:pPr indent="0" lvl="0" marL="0" rtl="0" algn="l">
-              <a:spcBef>
-                <a:spcPts val="0"/>
-              </a:spcBef>
-              <a:spcAft>
-                <a:spcPts val="0"/>
-              </a:spcAft>
-              <a:buNone/>
-            </a:pPr>
-            <a:r>
-              <a:t/>
-            </a:r>
-            <a:endParaRPr sz="2400">
-              <a:latin typeface="Calibri"/>
-              <a:ea typeface="Calibri"/>
-              <a:cs typeface="Calibri"/>
-              <a:sym typeface="Calibri"/>
-            </a:endParaRPr>
-          </a:p>
-        </p:txBody>
-      </p:sp>
     </p:spTree>
   </p:cSld>
   <p:clrMapOvr>
@@ -23709,7 +23677,7 @@
         <p:spPr>
           <a:xfrm>
             <a:off x="382225" y="868325"/>
-            <a:ext cx="11058300" cy="4981200"/>
+            <a:ext cx="11058300" cy="5284200"/>
           </a:xfrm>
           <a:prstGeom prst="rect">
             <a:avLst/>
@@ -23726,6 +23694,9 @@
           <a:lstStyle/>
           <a:p>
             <a:pPr indent="0" lvl="0" marL="0" rtl="0" algn="l">
+              <a:lnSpc>
+                <a:spcPct val="200000"/>
+              </a:lnSpc>
               <a:spcBef>
                 <a:spcPts val="0"/>
               </a:spcBef>
@@ -23735,7 +23706,75 @@
               <a:buNone/>
             </a:pPr>
             <a:r>
-              <a:t/>
+              <a:rPr b="1" lang="en-US" sz="2400">
+                <a:latin typeface="Calibri"/>
+                <a:ea typeface="Calibri"/>
+                <a:cs typeface="Calibri"/>
+                <a:sym typeface="Calibri"/>
+              </a:rPr>
+              <a:t>Play 2.6</a:t>
+            </a:r>
+            <a:endParaRPr b="1" sz="2400">
+              <a:latin typeface="Calibri"/>
+              <a:ea typeface="Calibri"/>
+              <a:cs typeface="Calibri"/>
+              <a:sym typeface="Calibri"/>
+            </a:endParaRPr>
+          </a:p>
+          <a:p>
+            <a:pPr indent="-381000" lvl="0" marL="457200" rtl="0" algn="l">
+              <a:lnSpc>
+                <a:spcPct val="200000"/>
+              </a:lnSpc>
+              <a:spcBef>
+                <a:spcPts val="0"/>
+              </a:spcBef>
+              <a:spcAft>
+                <a:spcPts val="0"/>
+              </a:spcAft>
+              <a:buSzPts val="2400"/>
+              <a:buFont typeface="Calibri"/>
+              <a:buChar char="-"/>
+            </a:pPr>
+            <a:r>
+              <a:rPr lang="en-US" sz="2400">
+                <a:latin typeface="Calibri"/>
+                <a:ea typeface="Calibri"/>
+                <a:cs typeface="Calibri"/>
+                <a:sym typeface="Calibri"/>
+              </a:rPr>
+              <a:t>Play is a high-productivity Java and Scala web application framework that integrates the components and APIs you need for modern web application development.</a:t>
+            </a:r>
+            <a:endParaRPr sz="2400">
+              <a:latin typeface="Calibri"/>
+              <a:ea typeface="Calibri"/>
+              <a:cs typeface="Calibri"/>
+              <a:sym typeface="Calibri"/>
+            </a:endParaRPr>
+          </a:p>
+          <a:p>
+            <a:pPr indent="-381000" lvl="0" marL="457200" rtl="0" algn="l">
+              <a:lnSpc>
+                <a:spcPct val="200000"/>
+              </a:lnSpc>
+              <a:spcBef>
+                <a:spcPts val="0"/>
+              </a:spcBef>
+              <a:spcAft>
+                <a:spcPts val="0"/>
+              </a:spcAft>
+              <a:buSzPts val="2400"/>
+              <a:buFont typeface="Calibri"/>
+              <a:buChar char="-"/>
+            </a:pPr>
+            <a:r>
+              <a:rPr lang="en-US" sz="2400">
+                <a:latin typeface="Calibri"/>
+                <a:ea typeface="Calibri"/>
+                <a:cs typeface="Calibri"/>
+                <a:sym typeface="Calibri"/>
+              </a:rPr>
+              <a:t>Play is based on a lightweight, stateless, web-friendly architecture and features predictable and minimal resource consumption (CPU, memory, threads) for highly-scalable applications thanks to its reactive model, based on Akka Streams.</a:t>
             </a:r>
             <a:endParaRPr sz="2400">
               <a:latin typeface="Calibri"/>
@@ -23766,34 +23805,6 @@
           </a:p>
         </p:txBody>
       </p:sp>
-      <p:pic>
-        <p:nvPicPr>
-          <p:cNvPr id="333" name="Google Shape;333;p45"/>
-          <p:cNvPicPr preferRelativeResize="0"/>
-          <p:nvPr/>
-        </p:nvPicPr>
-        <p:blipFill>
-          <a:blip r:embed="rId3">
-            <a:alphaModFix/>
-          </a:blip>
-          <a:stretch>
-            <a:fillRect/>
-          </a:stretch>
-        </p:blipFill>
-        <p:spPr>
-          <a:xfrm>
-            <a:off x="1379275" y="803875"/>
-            <a:ext cx="9891976" cy="5951099"/>
-          </a:xfrm>
-          <a:prstGeom prst="rect">
-            <a:avLst/>
-          </a:prstGeom>
-          <a:noFill/>
-          <a:ln>
-            <a:noFill/>
-          </a:ln>
-        </p:spPr>
-      </p:pic>
     </p:spTree>
   </p:cSld>
   <p:clrMapOvr>
@@ -23807,7 +23818,7 @@
   <p:cSld>
     <p:spTree>
       <p:nvGrpSpPr>
-        <p:cNvPr id="337" name="Shape 337"/>
+        <p:cNvPr id="336" name="Shape 336"/>
         <p:cNvGrpSpPr/>
         <p:nvPr/>
       </p:nvGrpSpPr>
@@ -23821,7 +23832,7 @@
       </p:grpSpPr>
       <p:sp>
         <p:nvSpPr>
-          <p:cNvPr id="338" name="Google Shape;338;p46"/>
+          <p:cNvPr id="337" name="Google Shape;337;p46"/>
           <p:cNvSpPr/>
           <p:nvPr/>
         </p:nvSpPr>
@@ -23878,7 +23889,7 @@
       </p:sp>
       <p:sp>
         <p:nvSpPr>
-          <p:cNvPr id="339" name="Google Shape;339;p46"/>
+          <p:cNvPr id="338" name="Google Shape;338;p46"/>
           <p:cNvSpPr txBox="1"/>
           <p:nvPr/>
         </p:nvSpPr>
@@ -23920,19 +23931,8 @@
                 <a:cs typeface="Calibri"/>
                 <a:sym typeface="Calibri"/>
               </a:rPr>
-              <a:t>Code repository</a:t>
+              <a:t>User Interface</a:t>
             </a:r>
-            <a:br>
-              <a:rPr lang="en-US" sz="3600">
-                <a:solidFill>
-                  <a:schemeClr val="lt1"/>
-                </a:solidFill>
-                <a:latin typeface="Calibri"/>
-                <a:ea typeface="Calibri"/>
-                <a:cs typeface="Calibri"/>
-                <a:sym typeface="Calibri"/>
-              </a:rPr>
-            </a:br>
             <a:endParaRPr sz="3600">
               <a:solidFill>
                 <a:schemeClr val="lt1"/>
@@ -23970,7 +23970,7 @@
       </p:sp>
       <p:sp>
         <p:nvSpPr>
-          <p:cNvPr id="340" name="Google Shape;340;p46"/>
+          <p:cNvPr id="339" name="Google Shape;339;p46"/>
           <p:cNvSpPr txBox="1"/>
           <p:nvPr/>
         </p:nvSpPr>
@@ -24034,92 +24034,9 @@
           </a:p>
         </p:txBody>
       </p:sp>
-      <p:sp>
-        <p:nvSpPr>
-          <p:cNvPr id="341" name="Google Shape;341;p46"/>
-          <p:cNvSpPr txBox="1"/>
-          <p:nvPr/>
-        </p:nvSpPr>
-        <p:spPr>
-          <a:xfrm>
-            <a:off x="2820800" y="900950"/>
-            <a:ext cx="6984300" cy="489600"/>
-          </a:xfrm>
-          <a:prstGeom prst="rect">
-            <a:avLst/>
-          </a:prstGeom>
-          <a:noFill/>
-          <a:ln>
-            <a:noFill/>
-          </a:ln>
-        </p:spPr>
-        <p:txBody>
-          <a:bodyPr anchorCtr="0" anchor="t" bIns="91425" lIns="91425" spcFirstLastPara="1" rIns="91425" wrap="square" tIns="91425">
-            <a:noAutofit/>
-          </a:bodyPr>
-          <a:lstStyle/>
-          <a:p>
-            <a:pPr indent="0" lvl="0" marL="0" rtl="0" algn="l">
-              <a:lnSpc>
-                <a:spcPct val="115000"/>
-              </a:lnSpc>
-              <a:spcBef>
-                <a:spcPts val="0"/>
-              </a:spcBef>
-              <a:spcAft>
-                <a:spcPts val="0"/>
-              </a:spcAft>
-              <a:buNone/>
-            </a:pPr>
-            <a:r>
-              <a:rPr b="1" lang="en-US" sz="1800">
-                <a:solidFill>
-                  <a:schemeClr val="dk1"/>
-                </a:solidFill>
-              </a:rPr>
-              <a:t>https://github.com/hmaccelerate/KKBox_Churn_Prediction</a:t>
-            </a:r>
-            <a:endParaRPr b="1" sz="1800">
-              <a:solidFill>
-                <a:srgbClr val="2A2B2B"/>
-              </a:solidFill>
-              <a:latin typeface="Mukta Mahee"/>
-              <a:ea typeface="Mukta Mahee"/>
-              <a:cs typeface="Mukta Mahee"/>
-              <a:sym typeface="Mukta Mahee"/>
-            </a:endParaRPr>
-          </a:p>
-          <a:p>
-            <a:pPr indent="0" lvl="0" marL="457200" rtl="0" algn="l">
-              <a:lnSpc>
-                <a:spcPct val="115000"/>
-              </a:lnSpc>
-              <a:spcBef>
-                <a:spcPts val="1600"/>
-              </a:spcBef>
-              <a:spcAft>
-                <a:spcPts val="1600"/>
-              </a:spcAft>
-              <a:buNone/>
-            </a:pPr>
-            <a:r>
-              <a:t/>
-            </a:r>
-            <a:endParaRPr sz="1800">
-              <a:solidFill>
-                <a:srgbClr val="2A2B2B"/>
-              </a:solidFill>
-              <a:latin typeface="Mukta Mahee"/>
-              <a:ea typeface="Mukta Mahee"/>
-              <a:cs typeface="Mukta Mahee"/>
-              <a:sym typeface="Mukta Mahee"/>
-            </a:endParaRPr>
-          </a:p>
-        </p:txBody>
-      </p:sp>
       <p:pic>
         <p:nvPicPr>
-          <p:cNvPr id="342" name="Google Shape;342;p46"/>
+          <p:cNvPr id="340" name="Google Shape;340;p46"/>
           <p:cNvPicPr preferRelativeResize="0"/>
           <p:nvPr/>
         </p:nvPicPr>
@@ -24133,8 +24050,8 @@
         </p:blipFill>
         <p:spPr>
           <a:xfrm>
-            <a:off x="2820802" y="1575826"/>
-            <a:ext cx="6767349" cy="5039524"/>
+            <a:off x="1379275" y="803875"/>
+            <a:ext cx="9891976" cy="5951099"/>
           </a:xfrm>
           <a:prstGeom prst="rect">
             <a:avLst/>
@@ -24456,7 +24373,7 @@
   <p:cSld>
     <p:spTree>
       <p:nvGrpSpPr>
-        <p:cNvPr id="346" name="Shape 346"/>
+        <p:cNvPr id="344" name="Shape 344"/>
         <p:cNvGrpSpPr/>
         <p:nvPr/>
       </p:nvGrpSpPr>
@@ -24470,7 +24387,7 @@
       </p:grpSpPr>
       <p:sp>
         <p:nvSpPr>
-          <p:cNvPr id="347" name="Google Shape;347;p47"/>
+          <p:cNvPr id="345" name="Google Shape;345;p47"/>
           <p:cNvSpPr/>
           <p:nvPr/>
         </p:nvSpPr>
@@ -24527,7 +24444,358 @@
       </p:sp>
       <p:sp>
         <p:nvSpPr>
+          <p:cNvPr id="346" name="Google Shape;346;p47"/>
+          <p:cNvSpPr txBox="1"/>
+          <p:nvPr/>
+        </p:nvSpPr>
+        <p:spPr>
+          <a:xfrm>
+            <a:off x="0" y="117125"/>
+            <a:ext cx="3933300" cy="751200"/>
+          </a:xfrm>
+          <a:prstGeom prst="rect">
+            <a:avLst/>
+          </a:prstGeom>
+          <a:noFill/>
+          <a:ln>
+            <a:noFill/>
+          </a:ln>
+        </p:spPr>
+        <p:txBody>
+          <a:bodyPr anchorCtr="0" anchor="t" bIns="45700" lIns="91425" spcFirstLastPara="1" rIns="91425" wrap="square" tIns="45700">
+            <a:noAutofit/>
+          </a:bodyPr>
+          <a:lstStyle/>
+          <a:p>
+            <a:pPr indent="0" lvl="0" marL="0" marR="0" rtl="0" algn="ctr">
+              <a:spcBef>
+                <a:spcPts val="0"/>
+              </a:spcBef>
+              <a:spcAft>
+                <a:spcPts val="0"/>
+              </a:spcAft>
+              <a:buNone/>
+            </a:pPr>
+            <a:r>
+              <a:rPr lang="en-US" sz="3600">
+                <a:solidFill>
+                  <a:schemeClr val="lt1"/>
+                </a:solidFill>
+                <a:latin typeface="Calibri"/>
+                <a:ea typeface="Calibri"/>
+                <a:cs typeface="Calibri"/>
+                <a:sym typeface="Calibri"/>
+              </a:rPr>
+              <a:t>Code repository</a:t>
+            </a:r>
+            <a:br>
+              <a:rPr lang="en-US" sz="3600">
+                <a:solidFill>
+                  <a:schemeClr val="lt1"/>
+                </a:solidFill>
+                <a:latin typeface="Calibri"/>
+                <a:ea typeface="Calibri"/>
+                <a:cs typeface="Calibri"/>
+                <a:sym typeface="Calibri"/>
+              </a:rPr>
+            </a:br>
+            <a:endParaRPr sz="3600">
+              <a:solidFill>
+                <a:schemeClr val="lt1"/>
+              </a:solidFill>
+              <a:latin typeface="Calibri"/>
+              <a:ea typeface="Calibri"/>
+              <a:cs typeface="Calibri"/>
+              <a:sym typeface="Calibri"/>
+            </a:endParaRPr>
+          </a:p>
+          <a:p>
+            <a:pPr indent="0" lvl="0" marL="0" marR="0" rtl="0" algn="ctr">
+              <a:spcBef>
+                <a:spcPts val="0"/>
+              </a:spcBef>
+              <a:spcAft>
+                <a:spcPts val="0"/>
+              </a:spcAft>
+              <a:buNone/>
+            </a:pPr>
+            <a:r>
+              <a:t/>
+            </a:r>
+            <a:endParaRPr sz="3600">
+              <a:solidFill>
+                <a:schemeClr val="lt1"/>
+              </a:solidFill>
+              <a:latin typeface="Calibri"/>
+              <a:ea typeface="Calibri"/>
+              <a:cs typeface="Calibri"/>
+              <a:sym typeface="Calibri"/>
+            </a:endParaRPr>
+          </a:p>
+        </p:txBody>
+      </p:sp>
+      <p:sp>
+        <p:nvSpPr>
+          <p:cNvPr id="347" name="Google Shape;347;p47"/>
+          <p:cNvSpPr txBox="1"/>
+          <p:nvPr/>
+        </p:nvSpPr>
+        <p:spPr>
+          <a:xfrm>
+            <a:off x="382225" y="868325"/>
+            <a:ext cx="11058300" cy="4981200"/>
+          </a:xfrm>
+          <a:prstGeom prst="rect">
+            <a:avLst/>
+          </a:prstGeom>
+          <a:noFill/>
+          <a:ln>
+            <a:noFill/>
+          </a:ln>
+        </p:spPr>
+        <p:txBody>
+          <a:bodyPr anchorCtr="0" anchor="t" bIns="91425" lIns="91425" spcFirstLastPara="1" rIns="91425" wrap="square" tIns="91425">
+            <a:noAutofit/>
+          </a:bodyPr>
+          <a:lstStyle/>
+          <a:p>
+            <a:pPr indent="0" lvl="0" marL="0" rtl="0" algn="l">
+              <a:spcBef>
+                <a:spcPts val="0"/>
+              </a:spcBef>
+              <a:spcAft>
+                <a:spcPts val="0"/>
+              </a:spcAft>
+              <a:buNone/>
+            </a:pPr>
+            <a:r>
+              <a:t/>
+            </a:r>
+            <a:endParaRPr sz="2400">
+              <a:latin typeface="Calibri"/>
+              <a:ea typeface="Calibri"/>
+              <a:cs typeface="Calibri"/>
+              <a:sym typeface="Calibri"/>
+            </a:endParaRPr>
+          </a:p>
+          <a:p>
+            <a:pPr indent="0" lvl="0" marL="0" rtl="0" algn="l">
+              <a:spcBef>
+                <a:spcPts val="0"/>
+              </a:spcBef>
+              <a:spcAft>
+                <a:spcPts val="0"/>
+              </a:spcAft>
+              <a:buNone/>
+            </a:pPr>
+            <a:r>
+              <a:t/>
+            </a:r>
+            <a:endParaRPr sz="2400">
+              <a:latin typeface="Calibri"/>
+              <a:ea typeface="Calibri"/>
+              <a:cs typeface="Calibri"/>
+              <a:sym typeface="Calibri"/>
+            </a:endParaRPr>
+          </a:p>
+        </p:txBody>
+      </p:sp>
+      <p:sp>
+        <p:nvSpPr>
           <p:cNvPr id="348" name="Google Shape;348;p47"/>
+          <p:cNvSpPr txBox="1"/>
+          <p:nvPr/>
+        </p:nvSpPr>
+        <p:spPr>
+          <a:xfrm>
+            <a:off x="2820800" y="900950"/>
+            <a:ext cx="6984300" cy="489600"/>
+          </a:xfrm>
+          <a:prstGeom prst="rect">
+            <a:avLst/>
+          </a:prstGeom>
+          <a:noFill/>
+          <a:ln>
+            <a:noFill/>
+          </a:ln>
+        </p:spPr>
+        <p:txBody>
+          <a:bodyPr anchorCtr="0" anchor="t" bIns="91425" lIns="91425" spcFirstLastPara="1" rIns="91425" wrap="square" tIns="91425">
+            <a:noAutofit/>
+          </a:bodyPr>
+          <a:lstStyle/>
+          <a:p>
+            <a:pPr indent="0" lvl="0" marL="0" rtl="0" algn="l">
+              <a:lnSpc>
+                <a:spcPct val="115000"/>
+              </a:lnSpc>
+              <a:spcBef>
+                <a:spcPts val="0"/>
+              </a:spcBef>
+              <a:spcAft>
+                <a:spcPts val="0"/>
+              </a:spcAft>
+              <a:buNone/>
+            </a:pPr>
+            <a:r>
+              <a:rPr b="1" lang="en-US" sz="1800">
+                <a:solidFill>
+                  <a:schemeClr val="dk1"/>
+                </a:solidFill>
+              </a:rPr>
+              <a:t>https://github.com/hmaccelerate/KKBox_Churn_Prediction</a:t>
+            </a:r>
+            <a:endParaRPr b="1" sz="1800">
+              <a:solidFill>
+                <a:srgbClr val="2A2B2B"/>
+              </a:solidFill>
+              <a:latin typeface="Mukta Mahee"/>
+              <a:ea typeface="Mukta Mahee"/>
+              <a:cs typeface="Mukta Mahee"/>
+              <a:sym typeface="Mukta Mahee"/>
+            </a:endParaRPr>
+          </a:p>
+          <a:p>
+            <a:pPr indent="0" lvl="0" marL="457200" rtl="0" algn="l">
+              <a:lnSpc>
+                <a:spcPct val="115000"/>
+              </a:lnSpc>
+              <a:spcBef>
+                <a:spcPts val="1600"/>
+              </a:spcBef>
+              <a:spcAft>
+                <a:spcPts val="1600"/>
+              </a:spcAft>
+              <a:buNone/>
+            </a:pPr>
+            <a:r>
+              <a:t/>
+            </a:r>
+            <a:endParaRPr sz="1800">
+              <a:solidFill>
+                <a:srgbClr val="2A2B2B"/>
+              </a:solidFill>
+              <a:latin typeface="Mukta Mahee"/>
+              <a:ea typeface="Mukta Mahee"/>
+              <a:cs typeface="Mukta Mahee"/>
+              <a:sym typeface="Mukta Mahee"/>
+            </a:endParaRPr>
+          </a:p>
+        </p:txBody>
+      </p:sp>
+      <p:pic>
+        <p:nvPicPr>
+          <p:cNvPr id="349" name="Google Shape;349;p47"/>
+          <p:cNvPicPr preferRelativeResize="0"/>
+          <p:nvPr/>
+        </p:nvPicPr>
+        <p:blipFill>
+          <a:blip r:embed="rId3">
+            <a:alphaModFix/>
+          </a:blip>
+          <a:stretch>
+            <a:fillRect/>
+          </a:stretch>
+        </p:blipFill>
+        <p:spPr>
+          <a:xfrm>
+            <a:off x="2820802" y="1575826"/>
+            <a:ext cx="6767349" cy="5039524"/>
+          </a:xfrm>
+          <a:prstGeom prst="rect">
+            <a:avLst/>
+          </a:prstGeom>
+          <a:noFill/>
+          <a:ln>
+            <a:noFill/>
+          </a:ln>
+        </p:spPr>
+      </p:pic>
+    </p:spTree>
+  </p:cSld>
+  <p:clrMapOvr>
+    <a:masterClrMapping/>
+  </p:clrMapOvr>
+</p:sld>
+</file>
+
+<file path=ppt/slides/slide21.xml><?xml version="1.0" encoding="utf-8"?>
+<p:sld xmlns:a="http://schemas.openxmlformats.org/drawingml/2006/main" xmlns:r="http://schemas.openxmlformats.org/officeDocument/2006/relationships" xmlns:mc="http://schemas.openxmlformats.org/markup-compatibility/2006" xmlns:mv="urn:schemas-microsoft-com:mac:vml" xmlns:p="http://schemas.openxmlformats.org/presentationml/2006/main" xmlns:c="http://schemas.openxmlformats.org/drawingml/2006/chart" xmlns:dgm="http://schemas.openxmlformats.org/drawingml/2006/diagram" xmlns:o="urn:schemas-microsoft-com:office:office" xmlns:v="urn:schemas-microsoft-com:vml" xmlns:pvml="urn:schemas-microsoft-com:office:powerpoint" xmlns:com="http://schemas.openxmlformats.org/drawingml/2006/compatibility" xmlns:p14="http://schemas.microsoft.com/office/powerpoint/2010/main" xmlns:p15="http://schemas.microsoft.com/office/powerpoint/2012/main">
+  <p:cSld>
+    <p:spTree>
+      <p:nvGrpSpPr>
+        <p:cNvPr id="353" name="Shape 353"/>
+        <p:cNvGrpSpPr/>
+        <p:nvPr/>
+      </p:nvGrpSpPr>
+      <p:grpSpPr>
+        <a:xfrm>
+          <a:off x="0" y="0"/>
+          <a:ext cx="0" cy="0"/>
+          <a:chOff x="0" y="0"/>
+          <a:chExt cx="0" cy="0"/>
+        </a:xfrm>
+      </p:grpSpPr>
+      <p:sp>
+        <p:nvSpPr>
+          <p:cNvPr id="354" name="Google Shape;354;p48"/>
+          <p:cNvSpPr/>
+          <p:nvPr/>
+        </p:nvSpPr>
+        <p:spPr>
+          <a:xfrm>
+            <a:off x="0" y="11575"/>
+            <a:ext cx="12192000" cy="704100"/>
+          </a:xfrm>
+          <a:prstGeom prst="rect">
+            <a:avLst/>
+          </a:prstGeom>
+          <a:solidFill>
+            <a:srgbClr val="1F3864"/>
+          </a:solidFill>
+          <a:ln cap="flat" cmpd="sng" w="12700">
+            <a:solidFill>
+              <a:srgbClr val="31538F"/>
+            </a:solidFill>
+            <a:prstDash val="solid"/>
+            <a:miter lim="800000"/>
+            <a:headEnd len="sm" w="sm" type="none"/>
+            <a:tailEnd len="sm" w="sm" type="none"/>
+          </a:ln>
+        </p:spPr>
+        <p:txBody>
+          <a:bodyPr anchorCtr="0" anchor="ctr" bIns="45700" lIns="91425" spcFirstLastPara="1" rIns="91425" wrap="square" tIns="45700">
+            <a:noAutofit/>
+          </a:bodyPr>
+          <a:lstStyle/>
+          <a:p>
+            <a:pPr indent="0" lvl="0" marL="0" marR="0" rtl="0" algn="ctr">
+              <a:spcBef>
+                <a:spcPts val="0"/>
+              </a:spcBef>
+              <a:spcAft>
+                <a:spcPts val="0"/>
+              </a:spcAft>
+              <a:buNone/>
+            </a:pPr>
+            <a:r>
+              <a:t/>
+            </a:r>
+            <a:endParaRPr sz="1800">
+              <a:solidFill>
+                <a:schemeClr val="lt1"/>
+              </a:solidFill>
+              <a:latin typeface="Calibri"/>
+              <a:ea typeface="Calibri"/>
+              <a:cs typeface="Calibri"/>
+              <a:sym typeface="Calibri"/>
+            </a:endParaRPr>
+          </a:p>
+        </p:txBody>
+      </p:sp>
+      <p:sp>
+        <p:nvSpPr>
+          <p:cNvPr id="355" name="Google Shape;355;p48"/>
           <p:cNvSpPr txBox="1"/>
           <p:nvPr/>
         </p:nvSpPr>
@@ -24597,7 +24865,7 @@
       </p:sp>
       <p:sp>
         <p:nvSpPr>
-          <p:cNvPr id="349" name="Google Shape;349;p47"/>
+          <p:cNvPr id="356" name="Google Shape;356;p48"/>
           <p:cNvSpPr txBox="1"/>
           <p:nvPr/>
         </p:nvSpPr>
@@ -26329,7 +26597,7 @@
             <a:tbl>
               <a:tblPr>
                 <a:noFill/>
-                <a:tableStyleId>{2926377D-7333-4753-AB78-490189E80C15}</a:tableStyleId>
+                <a:tableStyleId>{797C1A08-A914-4D6E-9599-AA358F1B49A5}</a:tableStyleId>
               </a:tblPr>
               <a:tblGrid>
                 <a:gridCol w="1479025"/>
@@ -26634,7 +26902,7 @@
             <a:tbl>
               <a:tblPr>
                 <a:noFill/>
-                <a:tableStyleId>{2926377D-7333-4753-AB78-490189E80C15}</a:tableStyleId>
+                <a:tableStyleId>{797C1A08-A914-4D6E-9599-AA358F1B49A5}</a:tableStyleId>
               </a:tblPr>
               <a:tblGrid>
                 <a:gridCol w="3068425"/>
@@ -26964,7 +27232,7 @@
             <a:tbl>
               <a:tblPr>
                 <a:noFill/>
-                <a:tableStyleId>{2926377D-7333-4753-AB78-490189E80C15}</a:tableStyleId>
+                <a:tableStyleId>{797C1A08-A914-4D6E-9599-AA358F1B49A5}</a:tableStyleId>
               </a:tblPr>
               <a:tblGrid>
                 <a:gridCol w="3068425"/>
@@ -27311,7 +27579,7 @@
             <a:tbl>
               <a:tblPr>
                 <a:noFill/>
-                <a:tableStyleId>{2926377D-7333-4753-AB78-490189E80C15}</a:tableStyleId>
+                <a:tableStyleId>{797C1A08-A914-4D6E-9599-AA358F1B49A5}</a:tableStyleId>
               </a:tblPr>
               <a:tblGrid>
                 <a:gridCol w="3068425"/>
@@ -27657,7 +27925,7 @@
             <a:tbl>
               <a:tblPr>
                 <a:noFill/>
-                <a:tableStyleId>{2926377D-7333-4753-AB78-490189E80C15}</a:tableStyleId>
+                <a:tableStyleId>{797C1A08-A914-4D6E-9599-AA358F1B49A5}</a:tableStyleId>
               </a:tblPr>
               <a:tblGrid>
                 <a:gridCol w="3068425"/>
@@ -27946,7 +28214,7 @@
             <a:tbl>
               <a:tblPr>
                 <a:noFill/>
-                <a:tableStyleId>{2926377D-7333-4753-AB78-490189E80C15}</a:tableStyleId>
+                <a:tableStyleId>{797C1A08-A914-4D6E-9599-AA358F1B49A5}</a:tableStyleId>
               </a:tblPr>
               <a:tblGrid>
                 <a:gridCol w="3068425"/>
@@ -28278,7 +28546,7 @@
             <a:tbl>
               <a:tblPr>
                 <a:noFill/>
-                <a:tableStyleId>{2926377D-7333-4753-AB78-490189E80C15}</a:tableStyleId>
+                <a:tableStyleId>{797C1A08-A914-4D6E-9599-AA358F1B49A5}</a:tableStyleId>
               </a:tblPr>
               <a:tblGrid>
                 <a:gridCol w="1479025"/>
@@ -28554,7 +28822,7 @@
             <a:tbl>
               <a:tblPr>
                 <a:noFill/>
-                <a:tableStyleId>{2926377D-7333-4753-AB78-490189E80C15}</a:tableStyleId>
+                <a:tableStyleId>{797C1A08-A914-4D6E-9599-AA358F1B49A5}</a:tableStyleId>
               </a:tblPr>
               <a:tblGrid>
                 <a:gridCol w="3068425"/>
@@ -28879,7 +29147,7 @@
             <a:tbl>
               <a:tblPr>
                 <a:noFill/>
-                <a:tableStyleId>{2926377D-7333-4753-AB78-490189E80C15}</a:tableStyleId>
+                <a:tableStyleId>{797C1A08-A914-4D6E-9599-AA358F1B49A5}</a:tableStyleId>
               </a:tblPr>
               <a:tblGrid>
                 <a:gridCol w="3068425"/>
